--- a/presentation.pptx
+++ b/presentation.pptx
@@ -3112,10 +3112,10 @@
           <a:lstStyle/>
           <a:p>
             <a:pPr>
-              <a:defRPr sz="3600"/>
+              <a:defRPr sz="4200"/>
             </a:pPr>
             <a:r>
-              <a:t>Titre : Introduction à la base de données SQL pour développeurs</a:t>
+              <a:t>Title Slide: Introduction to SQL Databases for Developers</a:t>
             </a:r>
           </a:p>
         </p:txBody>
@@ -3135,6 +3135,22 @@
           <a:bodyPr/>
           <a:lstStyle/>
           <a:p/>
+          <a:p>
+            <a:pPr>
+              <a:defRPr sz="2800"/>
+            </a:pPr>
+            <a:r>
+              <a:t>Brief overview of the presentation</a:t>
+            </a:r>
+          </a:p>
+          <a:p>
+            <a:pPr>
+              <a:defRPr sz="2800"/>
+            </a:pPr>
+            <a:r>
+              <a:t>Importance of SQL databases in software development</a:t>
+            </a:r>
+          </a:p>
         </p:txBody>
       </p:sp>
     </p:spTree>
@@ -3171,10 +3187,10 @@
           <a:lstStyle/>
           <a:p>
             <a:pPr>
-              <a:defRPr sz="3600"/>
+              <a:defRPr sz="4200"/>
             </a:pPr>
             <a:r>
-              <a:t>Slide 1: Titre - Introduction</a:t>
+              <a:t>SQL Overview</a:t>
             </a:r>
           </a:p>
         </p:txBody>
@@ -3196,10 +3212,18 @@
           <a:p/>
           <a:p>
             <a:pPr>
-              <a:defRPr sz="2000"/>
+              <a:defRPr sz="2800"/>
             </a:pPr>
             <a:r>
-              <a:t>Contenu : Bienvenue ! Nous allons explorer les bases de données SQL dans cette présentation. Nous aborderons les concepts fondamentaux et vous fournirons des exemples pratiques afin d'aider votre compréhension.</a:t>
+              <a:t>Definition of SQL and its role in managing data</a:t>
+            </a:r>
+          </a:p>
+          <a:p>
+            <a:pPr>
+              <a:defRPr sz="2800"/>
+            </a:pPr>
+            <a:r>
+              <a:t>Comparison with other database languages (NoSQL, etc.)</a:t>
             </a:r>
           </a:p>
         </p:txBody>
@@ -3238,10 +3262,10 @@
           <a:lstStyle/>
           <a:p>
             <a:pPr>
-              <a:defRPr sz="3600"/>
+              <a:defRPr sz="4200"/>
             </a:pPr>
             <a:r>
-              <a:t>Slide 2: Titre - Qu'est-ce qu'une base de données SQL ?</a:t>
+              <a:t>Benefits of Using SQL Databases</a:t>
             </a:r>
           </a:p>
         </p:txBody>
@@ -3263,10 +3287,26 @@
           <a:p/>
           <a:p>
             <a:pPr>
-              <a:defRPr sz="2000"/>
+              <a:defRPr sz="2800"/>
             </a:pPr>
             <a:r>
-              <a:t>Contenu : Une base de données SQL (Structured Query Language) est un langage pour la manipulation et l'organisation de données dans des structures tabulaires, appelées tables. Les bases de données SQL sont utilisées dans de nombreux systèmes informatiques, dont le web.</a:t>
+              <a:t>Increased data security</a:t>
+            </a:r>
+          </a:p>
+          <a:p>
+            <a:pPr>
+              <a:defRPr sz="2800"/>
+            </a:pPr>
+            <a:r>
+              <a:t>Improved performance and scalability</a:t>
+            </a:r>
+          </a:p>
+          <a:p>
+            <a:pPr>
+              <a:defRPr sz="2800"/>
+            </a:pPr>
+            <a:r>
+              <a:t>Compatibility with various platforms and programming languages</a:t>
             </a:r>
           </a:p>
         </p:txBody>
@@ -3305,10 +3345,10 @@
           <a:lstStyle/>
           <a:p>
             <a:pPr>
-              <a:defRPr sz="3600"/>
+              <a:defRPr sz="4200"/>
             </a:pPr>
             <a:r>
-              <a:t>Slide 3: Titre - Types de schémas de base de données SQL</a:t>
+              <a:t>Basic SQL Commands</a:t>
             </a:r>
           </a:p>
         </p:txBody>
@@ -3330,10 +3370,18 @@
           <a:p/>
           <a:p>
             <a:pPr>
-              <a:defRPr sz="2000"/>
+              <a:defRPr sz="2800"/>
             </a:pPr>
             <a:r>
-              <a:t>Contenu : Il existe deux types principaux de schémas de base de données SQL : les schémas en clé primaire et les schémas en clé étrangère. Nous discuterons de chaque type dans cette présentation.</a:t>
+              <a:t>SELECT, INSERT, UPDATE, DELETE, CREATE, DROP, ALTER</a:t>
+            </a:r>
+          </a:p>
+          <a:p>
+            <a:pPr>
+              <a:defRPr sz="2800"/>
+            </a:pPr>
+            <a:r>
+              <a:t>Examples of each command in action</a:t>
             </a:r>
           </a:p>
         </p:txBody>
@@ -3372,10 +3420,10 @@
           <a:lstStyle/>
           <a:p>
             <a:pPr>
-              <a:defRPr sz="3600"/>
+              <a:defRPr sz="4200"/>
             </a:pPr>
             <a:r>
-              <a:t>Slide 4: Titre - Schéma en clé primaire</a:t>
+              <a:t>Relational Databases and Tables</a:t>
             </a:r>
           </a:p>
         </p:txBody>
@@ -3397,10 +3445,18 @@
           <a:p/>
           <a:p>
             <a:pPr>
-              <a:defRPr sz="2000"/>
+              <a:defRPr sz="2800"/>
             </a:pPr>
             <a:r>
-              <a:t>Contenu : Un schéma en clé primaire contient une table avec des données et une colonne unique qui sert de référence pour les données associées. La clé primaire doit être unique dans chaque enregistrement de la table.</a:t>
+              <a:t>Explanation of relational databases and tables</a:t>
+            </a:r>
+          </a:p>
+          <a:p>
+            <a:pPr>
+              <a:defRPr sz="2800"/>
+            </a:pPr>
+            <a:r>
+              <a:t>Key concepts: primary key, foreign key, join, normalization</a:t>
             </a:r>
           </a:p>
         </p:txBody>
@@ -3439,10 +3495,10 @@
           <a:lstStyle/>
           <a:p>
             <a:pPr>
-              <a:defRPr sz="3600"/>
+              <a:defRPr sz="4200"/>
             </a:pPr>
             <a:r>
-              <a:t>Slide 5: Titre - Schéma en clé étrangère</a:t>
+              <a:t>SQL Query Structures</a:t>
             </a:r>
           </a:p>
         </p:txBody>
@@ -3464,10 +3520,18 @@
           <a:p/>
           <a:p>
             <a:pPr>
-              <a:defRPr sz="2000"/>
+              <a:defRPr sz="2800"/>
             </a:pPr>
             <a:r>
-              <a:t>Contenu : Un schéma en clé étrangère contient plusieurs tables qui sont reliées entre elles à travers des liens appelés contraintes étrangères. Ces contraintes assurent que les données de chaque table correspondent correctement les unes aux autres.</a:t>
+              <a:t>SELECT queries with WHERE, ORDER BY, GROUP BY clauses</a:t>
+            </a:r>
+          </a:p>
+          <a:p>
+            <a:pPr>
+              <a:defRPr sz="2800"/>
+            </a:pPr>
+            <a:r>
+              <a:t>JOIN queries (INNER JOIN, OUTER JOIN)</a:t>
             </a:r>
           </a:p>
         </p:txBody>
@@ -3506,10 +3570,10 @@
           <a:lstStyle/>
           <a:p>
             <a:pPr>
-              <a:defRPr sz="3600"/>
+              <a:defRPr sz="4200"/>
             </a:pPr>
             <a:r>
-              <a:t>Slide 6: Titre - Query d'exemple SQL</a:t>
+              <a:t>Database Design Best Practices</a:t>
             </a:r>
           </a:p>
         </p:txBody>
@@ -3531,10 +3595,26 @@
           <a:p/>
           <a:p>
             <a:pPr>
-              <a:defRPr sz="2000"/>
+              <a:defRPr sz="2800"/>
             </a:pPr>
             <a:r>
-              <a:t>Contenu : Nous allons explorer des requêtes SQL pratiques pour récupérer, modifier et supprimer des données de notre base de données. Les exemples seront basés sur nos schémas en clé primaire et étrangère précédemment décrits.</a:t>
+              <a:t>Normalization and denormalization</a:t>
+            </a:r>
+          </a:p>
+          <a:p>
+            <a:pPr>
+              <a:defRPr sz="2800"/>
+            </a:pPr>
+            <a:r>
+              <a:t>Indexing and optimizing queries</a:t>
+            </a:r>
+          </a:p>
+          <a:p>
+            <a:pPr>
+              <a:defRPr sz="2800"/>
+            </a:pPr>
+            <a:r>
+              <a:t>Data modeling techniques</a:t>
             </a:r>
           </a:p>
         </p:txBody>
@@ -3573,10 +3653,10 @@
           <a:lstStyle/>
           <a:p>
             <a:pPr>
-              <a:defRPr sz="3600"/>
+              <a:defRPr sz="4200"/>
             </a:pPr>
             <a:r>
-              <a:t>Slide 7: Titre - Conclusion</a:t>
+              <a:t>Case Study: SQL in Real-World Applications</a:t>
             </a:r>
           </a:p>
         </p:txBody>
@@ -3598,10 +3678,18 @@
           <a:p/>
           <a:p>
             <a:pPr>
-              <a:defRPr sz="2000"/>
+              <a:defRPr sz="2800"/>
             </a:pPr>
             <a:r>
-              <a:t>Contenu : Avec cette présentation, vous avez été introduits aux bases de données SQL. Nous avons abordé les concepts fondamentaux et nous avons discuté d'exemples pratiques. Nous espérons que cela vous aidera à comprendre la manière dont ces outils peuvent être utiles pour votre travail en tant que développeur.</a:t>
+              <a:t>Examples of popular applications that utilize SQL databases (e.g., e-commerce platforms, social media networks)</a:t>
+            </a:r>
+          </a:p>
+          <a:p>
+            <a:pPr>
+              <a:defRPr sz="2800"/>
+            </a:pPr>
+            <a:r>
+              <a:t>Key takeaways from these examples for developers</a:t>
             </a:r>
           </a:p>
         </p:txBody>
@@ -3640,10 +3728,10 @@
           <a:lstStyle/>
           <a:p>
             <a:pPr>
-              <a:defRPr sz="3600"/>
+              <a:defRPr sz="4200"/>
             </a:pPr>
             <a:r>
-              <a:t>Slide 8: Titre - Questions/Réponses</a:t>
+              <a:t>Conclusion and Resources</a:t>
             </a:r>
           </a:p>
         </p:txBody>
@@ -3665,10 +3753,26 @@
           <a:p/>
           <a:p>
             <a:pPr>
-              <a:defRPr sz="2000"/>
+              <a:defRPr sz="2800"/>
             </a:pPr>
             <a:r>
-              <a:t>Contenu : Nous avons terminé notre présentation. Si vous avez des questions ou des doutes, n'hésitez pas à les poser ! Nous serons heureux de répondre à vos demandes.</a:t>
+              <a:t>Summary of the main points covered in the presentation</a:t>
+            </a:r>
+          </a:p>
+          <a:p>
+            <a:pPr>
+              <a:defRPr sz="2800"/>
+            </a:pPr>
+            <a:r>
+              <a:t>Suggested resources for further learning (books, online tutorials, etc.)</a:t>
+            </a:r>
+          </a:p>
+          <a:p>
+            <a:pPr>
+              <a:defRPr sz="2800"/>
+            </a:pPr>
+            <a:r>
+              <a:t>Invitation to attend workshops or seminars on SQL development for interested developers</a:t>
             </a:r>
           </a:p>
         </p:txBody>
